--- a/doc/ppt/Android jetpack实战.pptx
+++ b/doc/ppt/Android jetpack实战.pptx
@@ -8348,9 +8348,9 @@
         <p:grpSpPr>
           <a:xfrm>
             <a:off x="4319588" y="5273675"/>
-            <a:ext cx="4000500" cy="368300"/>
+            <a:ext cx="3796793" cy="368300"/>
             <a:chOff x="4060522" y="5638470"/>
-            <a:chExt cx="4001459" cy="367746"/>
+            <a:chExt cx="3797703" cy="367746"/>
           </a:xfrm>
         </p:grpSpPr>
         <p:grpSp>
@@ -8948,7 +8948,7 @@
           <p:spPr>
             <a:xfrm>
               <a:off x="4411254" y="5638470"/>
-              <a:ext cx="3650727" cy="367746"/>
+              <a:ext cx="3446971" cy="367746"/>
             </a:xfrm>
             <a:prstGeom prst="rect">
               <a:avLst/>
@@ -8964,7 +8964,7 @@
             </a:bodyPr>
             <a:lstStyle/>
             <a:p>
-              <a:pPr defTabSz="1219200"/>
+              <a:pPr algn="l" defTabSz="1219200"/>
               <a:r>
                 <a:rPr lang="zh-CN" altLang="en-US" dirty="0">
                   <a:solidFill>
@@ -8973,17 +8973,37 @@
                   <a:latin typeface="微软雅黑" panose="020B0503020204020204" pitchFamily="34" charset="-122"/>
                   <a:ea typeface="微软雅黑" panose="020B0503020204020204" pitchFamily="34" charset="-122"/>
                 </a:rPr>
-                <a:t>课程咨询依娜老师：</a:t>
+                <a:t>课程咨询</a:t>
               </a:r>
               <a:r>
-                <a:rPr lang="en-US" altLang="zh-CN" b="1" dirty="0">
+                <a:rPr dirty="0">
                   <a:solidFill>
                     <a:srgbClr val="7A7A7A"/>
                   </a:solidFill>
                   <a:latin typeface="微软雅黑" panose="020B0503020204020204" pitchFamily="34" charset="-122"/>
                   <a:ea typeface="微软雅黑" panose="020B0503020204020204" pitchFamily="34" charset="-122"/>
+                  <a:sym typeface="+mn-ea"/>
                 </a:rPr>
-                <a:t>2133576719</a:t>
+                <a:t>安生老师</a:t>
+              </a:r>
+              <a:r>
+                <a:rPr lang="zh-CN" altLang="en-US" dirty="0">
+                  <a:latin typeface="微软雅黑" panose="020B0503020204020204" pitchFamily="34" charset="-122"/>
+                  <a:ea typeface="微软雅黑" panose="020B0503020204020204" pitchFamily="34" charset="-122"/>
+                  <a:sym typeface="+mn-ea"/>
+                </a:rPr>
+                <a:t>：</a:t>
+              </a:r>
+              <a:r>
+                <a:rPr dirty="0">
+                  <a:solidFill>
+                    <a:srgbClr val="7A7A7A"/>
+                  </a:solidFill>
+                  <a:latin typeface="微软雅黑" panose="020B0503020204020204" pitchFamily="34" charset="-122"/>
+                  <a:ea typeface="微软雅黑" panose="020B0503020204020204" pitchFamily="34" charset="-122"/>
+                  <a:sym typeface="+mn-ea"/>
+                </a:rPr>
+                <a:t>669100976</a:t>
               </a:r>
               <a:endParaRPr lang="en-US" altLang="zh-CN" b="1" dirty="0">
                 <a:solidFill>
@@ -9005,7 +9025,7 @@
         <p:spPr>
           <a:xfrm>
             <a:off x="5171440" y="3587115"/>
-            <a:ext cx="1849120" cy="368300"/>
+            <a:ext cx="1620520" cy="368300"/>
           </a:xfrm>
           <a:prstGeom prst="rect">
             <a:avLst/>
@@ -9023,7 +9043,7 @@
             </a:r>
             <a:r>
               <a:rPr lang="zh-CN" altLang="en-US"/>
-              <a:t>分正式上课</a:t>
+              <a:t>正式上课</a:t>
             </a:r>
             <a:endParaRPr lang="zh-CN" altLang="en-US"/>
           </a:p>
@@ -33829,7 +33849,7 @@
         </p:blipFill>
         <p:spPr bwMode="auto">
           <a:xfrm>
-            <a:off x="3162102" y="1053600"/>
+            <a:off x="3185597" y="1052965"/>
             <a:ext cx="2203511" cy="2784805"/>
           </a:xfrm>
           <a:prstGeom prst="rect">
@@ -34912,9 +34932,9 @@
         <p:grpSpPr>
           <a:xfrm>
             <a:off x="6359105" y="5531207"/>
-            <a:ext cx="4028342" cy="369332"/>
+            <a:ext cx="3796877" cy="368300"/>
             <a:chOff x="4060522" y="5638470"/>
-            <a:chExt cx="4028342" cy="369332"/>
+            <a:chExt cx="3796877" cy="368300"/>
           </a:xfrm>
         </p:grpSpPr>
         <p:grpSp>
@@ -35518,7 +35538,7 @@
           <p:spPr bwMode="auto">
             <a:xfrm>
               <a:off x="4411254" y="5638470"/>
-              <a:ext cx="3677610" cy="369332"/>
+              <a:ext cx="3446145" cy="368300"/>
             </a:xfrm>
             <a:prstGeom prst="rect">
               <a:avLst/>
@@ -35563,20 +35583,21 @@
             </a:bodyPr>
             <a:lstStyle/>
             <a:p>
-              <a:pPr defTabSz="1218565"/>
+              <a:pPr algn="l" defTabSz="1218565"/>
               <a:r>
                 <a:rPr lang="zh-CN" altLang="en-US" smtClean="0">
                   <a:latin typeface="微软雅黑" panose="020B0503020204020204" pitchFamily="34" charset="-122"/>
                   <a:ea typeface="微软雅黑" panose="020B0503020204020204" pitchFamily="34" charset="-122"/>
                 </a:rPr>
-                <a:t>课程咨询依娜老师：</a:t>
+                <a:t>课程咨询</a:t>
               </a:r>
               <a:r>
-                <a:rPr lang="en-US" altLang="zh-CN" smtClean="0">
+                <a:rPr lang="zh-CN" altLang="en-US" smtClean="0">
                   <a:latin typeface="微软雅黑" panose="020B0503020204020204" pitchFamily="34" charset="-122"/>
                   <a:ea typeface="微软雅黑" panose="020B0503020204020204" pitchFamily="34" charset="-122"/>
+                  <a:sym typeface="+mn-ea"/>
                 </a:rPr>
-                <a:t> 2133576719</a:t>
+                <a:t>安生老师：669100976</a:t>
               </a:r>
               <a:endParaRPr lang="en-US" altLang="zh-CN" dirty="0">
                 <a:latin typeface="微软雅黑" panose="020B0503020204020204" pitchFamily="34" charset="-122"/>
@@ -42057,8 +42078,8 @@
         </p:nvSpPr>
         <p:spPr>
           <a:xfrm>
-            <a:off x="9593076" y="4154763"/>
-            <a:ext cx="1213794" cy="707758"/>
+            <a:off x="9512903" y="4154763"/>
+            <a:ext cx="1374140" cy="709295"/>
           </a:xfrm>
           <a:prstGeom prst="rect">
             <a:avLst/>
@@ -42088,7 +42109,7 @@
                 <a:latin typeface="Impact" panose="020B0806030902050204" pitchFamily="34" charset="0"/>
                 <a:ea typeface="微软雅黑" panose="020B0503020204020204" pitchFamily="34" charset="-122"/>
               </a:rPr>
-              <a:t>课程技术总结</a:t>
+              <a:t>架构师成长之路</a:t>
             </a:r>
             <a:endParaRPr lang="en-US" altLang="zh-CN" sz="1335" dirty="0" smtClean="0">
               <a:ln w="6350">
@@ -42151,8 +42172,8 @@
         </p:nvSpPr>
         <p:spPr>
           <a:xfrm>
-            <a:off x="9697273" y="3562096"/>
-            <a:ext cx="1005403" cy="338554"/>
+            <a:off x="9702135" y="3562096"/>
+            <a:ext cx="995680" cy="337185"/>
           </a:xfrm>
           <a:prstGeom prst="rect">
             <a:avLst/>
@@ -42178,9 +42199,9 @@
                 <a:latin typeface="Impact" panose="020B0806030902050204" pitchFamily="34" charset="0"/>
                 <a:ea typeface="微软雅黑" panose="020B0503020204020204" pitchFamily="34" charset="-122"/>
               </a:rPr>
-              <a:t>课程总结</a:t>
-            </a:r>
-            <a:endParaRPr lang="zh-CN" altLang="en-US" sz="1600" b="1" dirty="0">
+              <a:t>课程复盘</a:t>
+            </a:r>
+            <a:endParaRPr lang="zh-CN" altLang="en-US" sz="1600" b="1" smtClean="0">
               <a:ln w="6350">
                 <a:noFill/>
               </a:ln>
@@ -45218,25 +45239,7 @@
                 </a:solidFill>
                 <a:effectLst/>
               </a:rPr>
-              <a:t>可复用性差 （业务与视图耦合</a:t>
-            </a:r>
-            <a:r>
-              <a:rPr lang="zh-CN" altLang="en-US">
-                <a:ln w="22225">
-                  <a:solidFill>
-                    <a:schemeClr val="accent2"/>
-                  </a:solidFill>
-                  <a:prstDash val="solid"/>
-                </a:ln>
-                <a:solidFill>
-                  <a:schemeClr val="accent2">
-                    <a:lumMod val="40000"/>
-                    <a:lumOff val="60000"/>
-                  </a:schemeClr>
-                </a:solidFill>
-                <a:effectLst/>
-              </a:rPr>
-              <a:t>）</a:t>
+              <a:t>可复用性差 （业务与视图耦合）</a:t>
             </a:r>
             <a:endParaRPr lang="zh-CN" altLang="en-US">
               <a:ln w="22225">
@@ -45303,7 +45306,6 @@
             </a:pPr>
             <a:r>
               <a:rPr lang="zh-CN" altLang="en-US">
-                <a:ln/>
                 <a:solidFill>
                   <a:schemeClr val="accent1"/>
                 </a:solidFill>
@@ -45318,7 +45320,6 @@
               <a:t>代码简洁</a:t>
             </a:r>
             <a:endParaRPr lang="zh-CN" altLang="en-US">
-              <a:ln/>
               <a:solidFill>
                 <a:schemeClr val="accent1"/>
               </a:solidFill>
@@ -45341,7 +45342,6 @@
             </a:pPr>
             <a:r>
               <a:rPr lang="zh-CN" altLang="en-US">
-                <a:ln/>
                 <a:solidFill>
                   <a:schemeClr val="accent1"/>
                 </a:solidFill>
@@ -45356,7 +45356,6 @@
               <a:t>可读性高</a:t>
             </a:r>
             <a:endParaRPr lang="zh-CN" altLang="en-US">
-              <a:ln/>
               <a:solidFill>
                 <a:schemeClr val="accent1"/>
               </a:solidFill>
@@ -45379,7 +45378,6 @@
             </a:pPr>
             <a:r>
               <a:rPr lang="zh-CN" altLang="en-US">
-                <a:ln/>
                 <a:solidFill>
                   <a:schemeClr val="accent1"/>
                 </a:solidFill>
@@ -46384,7 +46382,7 @@
         </p:blipFill>
         <p:spPr>
           <a:xfrm rot="10800000">
-            <a:off x="9004935" y="2271395"/>
+            <a:off x="8287385" y="2074545"/>
             <a:ext cx="2561590" cy="2314575"/>
           </a:xfrm>
           <a:prstGeom prst="rect">
@@ -49398,7 +49396,7 @@
         </p:blipFill>
         <p:spPr>
           <a:xfrm>
-            <a:off x="4876873" y="2292191"/>
+            <a:off x="4876873" y="1849596"/>
             <a:ext cx="7315127" cy="3786516"/>
           </a:xfrm>
           <a:prstGeom prst="rect">
